--- a/EatechWorkshop_ReactiveExtensions.pptx
+++ b/EatechWorkshop_ReactiveExtensions.pptx
@@ -220,7 +220,7 @@
           <a:p>
             <a:fld id="{20EA5F0D-C1DC-412F-A146-DDB3A74B588F}" type="datetimeFigureOut">
               <a:rPr lang="en-US"/>
-              <a:t>4/1/2016</a:t>
+              <a:t>4/3/2016</a:t>
             </a:fld>
             <a:endParaRPr/>
           </a:p>
@@ -385,7 +385,7 @@
           <a:p>
             <a:fld id="{A8CDE508-72C8-4AB5-AA9C-1584D31690E0}" type="datetimeFigureOut">
               <a:rPr lang="en-US"/>
-              <a:t>4/1/2016</a:t>
+              <a:t>4/3/2016</a:t>
             </a:fld>
             <a:endParaRPr/>
           </a:p>
@@ -1254,7 +1254,7 @@
           <a:p>
             <a:fld id="{9E583DDF-CA54-461A-A486-592D2374C532}" type="datetimeFigureOut">
               <a:rPr lang="en-US"/>
-              <a:t>4/1/2016</a:t>
+              <a:t>4/3/2016</a:t>
             </a:fld>
             <a:endParaRPr/>
           </a:p>
@@ -1446,7 +1446,7 @@
           <a:p>
             <a:fld id="{9E583DDF-CA54-461A-A486-592D2374C532}" type="datetimeFigureOut">
               <a:rPr lang="en-US"/>
-              <a:t>4/1/2016</a:t>
+              <a:t>4/3/2016</a:t>
             </a:fld>
             <a:endParaRPr/>
           </a:p>
@@ -1628,7 +1628,7 @@
           <a:p>
             <a:fld id="{9E583DDF-CA54-461A-A486-592D2374C532}" type="datetimeFigureOut">
               <a:rPr lang="en-US"/>
-              <a:t>4/1/2016</a:t>
+              <a:t>4/3/2016</a:t>
             </a:fld>
             <a:endParaRPr/>
           </a:p>
@@ -1941,7 +1941,7 @@
           <a:p>
             <a:fld id="{9E583DDF-CA54-461A-A486-592D2374C532}" type="datetimeFigureOut">
               <a:rPr lang="en-US"/>
-              <a:t>4/1/2016</a:t>
+              <a:t>4/3/2016</a:t>
             </a:fld>
             <a:endParaRPr/>
           </a:p>
@@ -2245,7 +2245,7 @@
           <a:p>
             <a:fld id="{0A879FD0-C37A-4F50-8F3B-5FA0D9D0B42F}" type="datetimeFigureOut">
               <a:rPr lang="en-US"/>
-              <a:t>4/1/2016</a:t>
+              <a:t>4/3/2016</a:t>
             </a:fld>
             <a:endParaRPr/>
           </a:p>
@@ -2696,7 +2696,7 @@
           <a:p>
             <a:fld id="{9E583DDF-CA54-461A-A486-592D2374C532}" type="datetimeFigureOut">
               <a:rPr lang="en-US"/>
-              <a:t>4/1/2016</a:t>
+              <a:t>4/3/2016</a:t>
             </a:fld>
             <a:endParaRPr/>
           </a:p>
@@ -2833,7 +2833,7 @@
           <a:p>
             <a:fld id="{9E583DDF-CA54-461A-A486-592D2374C532}" type="datetimeFigureOut">
               <a:rPr lang="en-US"/>
-              <a:t>4/1/2016</a:t>
+              <a:t>4/3/2016</a:t>
             </a:fld>
             <a:endParaRPr/>
           </a:p>
@@ -2985,7 +2985,7 @@
           <a:p>
             <a:fld id="{9E583DDF-CA54-461A-A486-592D2374C532}" type="datetimeFigureOut">
               <a:rPr lang="en-US"/>
-              <a:t>4/1/2016</a:t>
+              <a:t>4/3/2016</a:t>
             </a:fld>
             <a:endParaRPr/>
           </a:p>
@@ -3283,7 +3283,7 @@
           <a:p>
             <a:fld id="{9E583DDF-CA54-461A-A486-592D2374C532}" type="datetimeFigureOut">
               <a:rPr lang="en-US"/>
-              <a:t>4/1/2016</a:t>
+              <a:t>4/3/2016</a:t>
             </a:fld>
             <a:endParaRPr/>
           </a:p>
@@ -3569,7 +3569,7 @@
           <a:p>
             <a:fld id="{9E583DDF-CA54-461A-A486-592D2374C532}" type="datetimeFigureOut">
               <a:rPr lang="en-US"/>
-              <a:t>4/1/2016</a:t>
+              <a:t>4/3/2016</a:t>
             </a:fld>
             <a:endParaRPr/>
           </a:p>
@@ -3840,7 +3840,7 @@
             <a:fld id="{9E583DDF-CA54-461A-A486-592D2374C532}" type="datetimeFigureOut">
               <a:rPr lang="en-US"/>
               <a:pPr/>
-              <a:t>4/1/2016</a:t>
+              <a:t>4/3/2016</a:t>
             </a:fld>
             <a:endParaRPr/>
           </a:p>
@@ -4510,13 +4510,16 @@
             </a:r>
             <a:r>
               <a:rPr lang="en-US" dirty="0" err="1" smtClean="0"/>
-              <a:t>kiinnostavimpana</a:t>
+              <a:t>kiinnostavimpina</a:t>
             </a:r>
             <a:r>
               <a:rPr lang="en-US" dirty="0" smtClean="0"/>
-              <a:t> C# ja JavaScript</a:t>
-            </a:r>
-            <a:endParaRPr lang="en-US" dirty="0" smtClean="0"/>
+              <a:t> </a:t>
+            </a:r>
+            <a:r>
+              <a:rPr lang="en-US" dirty="0" smtClean="0"/>
+              <a:t>C# ja JavaScript</a:t>
+            </a:r>
           </a:p>
           <a:p>
             <a:r>
@@ -4617,11 +4620,7 @@
             </a:r>
             <a:r>
               <a:rPr lang="en-US" dirty="0" err="1" smtClean="0"/>
-              <a:t>vois</a:t>
-            </a:r>
-            <a:r>
-              <a:rPr lang="en-US" dirty="0" err="1" smtClean="0"/>
-              <a:t>i</a:t>
+              <a:t>voisi</a:t>
             </a:r>
             <a:r>
               <a:rPr lang="en-US" dirty="0" smtClean="0"/>
@@ -4668,7 +4667,7 @@
             </a:r>
             <a:r>
               <a:rPr lang="en-US" dirty="0" err="1" smtClean="0"/>
-              <a:t>loistava</a:t>
+              <a:t>hyvä</a:t>
             </a:r>
             <a:r>
               <a:rPr lang="en-US" dirty="0" smtClean="0"/>
@@ -4726,7 +4725,7 @@
               <a:rPr lang="en-US" dirty="0" smtClean="0">
                 <a:sym typeface="Wingdings" panose="05000000000000000000" pitchFamily="2" charset="2"/>
               </a:rPr>
-              <a:t>)</a:t>
+              <a:t>)</a:t>
             </a:r>
           </a:p>
           <a:p>
@@ -4734,13 +4733,189 @@
               <a:rPr lang="en-US" dirty="0" err="1" smtClean="0">
                 <a:sym typeface="Wingdings" panose="05000000000000000000" pitchFamily="2" charset="2"/>
               </a:rPr>
-              <a:t>Tarkemmin</a:t>
+              <a:t>Microsoftin</a:t>
             </a:r>
             <a:r>
               <a:rPr lang="en-US" dirty="0" smtClean="0">
                 <a:sym typeface="Wingdings" panose="05000000000000000000" pitchFamily="2" charset="2"/>
               </a:rPr>
-              <a:t>, </a:t>
+              <a:t> Rx </a:t>
+            </a:r>
+            <a:r>
+              <a:rPr lang="en-US" dirty="0" err="1" smtClean="0">
+                <a:sym typeface="Wingdings" panose="05000000000000000000" pitchFamily="2" charset="2"/>
+              </a:rPr>
+              <a:t>tiimi</a:t>
+            </a:r>
+            <a:r>
+              <a:rPr lang="en-US" dirty="0" smtClean="0">
+                <a:sym typeface="Wingdings" panose="05000000000000000000" pitchFamily="2" charset="2"/>
+              </a:rPr>
+              <a:t> </a:t>
+            </a:r>
+            <a:r>
+              <a:rPr lang="en-US" dirty="0" err="1" smtClean="0">
+                <a:sym typeface="Wingdings" panose="05000000000000000000" pitchFamily="2" charset="2"/>
+              </a:rPr>
+              <a:t>sanoo</a:t>
+            </a:r>
+            <a:r>
+              <a:rPr lang="en-US" dirty="0">
+                <a:sym typeface="Wingdings" panose="05000000000000000000" pitchFamily="2" charset="2"/>
+              </a:rPr>
+              <a:t>,</a:t>
+            </a:r>
+            <a:r>
+              <a:rPr lang="en-US" dirty="0" smtClean="0">
+                <a:sym typeface="Wingdings" panose="05000000000000000000" pitchFamily="2" charset="2"/>
+              </a:rPr>
+              <a:t> </a:t>
+            </a:r>
+            <a:r>
+              <a:rPr lang="en-US" dirty="0" err="1" smtClean="0">
+                <a:sym typeface="Wingdings" panose="05000000000000000000" pitchFamily="2" charset="2"/>
+              </a:rPr>
+              <a:t>käytä</a:t>
+            </a:r>
+            <a:r>
+              <a:rPr lang="en-US" dirty="0" smtClean="0">
+                <a:sym typeface="Wingdings" panose="05000000000000000000" pitchFamily="2" charset="2"/>
+              </a:rPr>
+              <a:t> Rx :</a:t>
+            </a:r>
+          </a:p>
+          <a:p>
+            <a:pPr lvl="1"/>
+            <a:r>
+              <a:rPr lang="en-US" dirty="0" err="1" smtClean="0">
+                <a:sym typeface="Wingdings" panose="05000000000000000000" pitchFamily="2" charset="2"/>
+              </a:rPr>
+              <a:t>Asynkronisen</a:t>
+            </a:r>
+            <a:r>
+              <a:rPr lang="en-US" dirty="0" smtClean="0">
+                <a:sym typeface="Wingdings" panose="05000000000000000000" pitchFamily="2" charset="2"/>
+              </a:rPr>
+              <a:t> ja </a:t>
+            </a:r>
+            <a:r>
+              <a:rPr lang="en-US" dirty="0" err="1" smtClean="0">
+                <a:sym typeface="Wingdings" panose="05000000000000000000" pitchFamily="2" charset="2"/>
+              </a:rPr>
+              <a:t>tapahtumakeskeisen</a:t>
+            </a:r>
+            <a:r>
+              <a:rPr lang="en-US" dirty="0" smtClean="0">
+                <a:sym typeface="Wingdings" panose="05000000000000000000" pitchFamily="2" charset="2"/>
+              </a:rPr>
+              <a:t> </a:t>
+            </a:r>
+            <a:r>
+              <a:rPr lang="en-US" dirty="0" err="1" smtClean="0">
+                <a:sym typeface="Wingdings" panose="05000000000000000000" pitchFamily="2" charset="2"/>
+              </a:rPr>
+              <a:t>laskennan</a:t>
+            </a:r>
+            <a:r>
+              <a:rPr lang="en-US" dirty="0" smtClean="0">
+                <a:sym typeface="Wingdings" panose="05000000000000000000" pitchFamily="2" charset="2"/>
+              </a:rPr>
+              <a:t> </a:t>
+            </a:r>
+            <a:r>
+              <a:rPr lang="en-US" dirty="0" err="1" smtClean="0">
+                <a:sym typeface="Wingdings" panose="05000000000000000000" pitchFamily="2" charset="2"/>
+              </a:rPr>
+              <a:t>orkestrointiin</a:t>
+            </a:r>
+            <a:endParaRPr lang="en-US" dirty="0" smtClean="0">
+              <a:sym typeface="Wingdings" panose="05000000000000000000" pitchFamily="2" charset="2"/>
+            </a:endParaRPr>
+          </a:p>
+          <a:p>
+            <a:pPr lvl="1"/>
+            <a:r>
+              <a:rPr lang="en-US" dirty="0" err="1" smtClean="0">
+                <a:sym typeface="Wingdings" panose="05000000000000000000" pitchFamily="2" charset="2"/>
+              </a:rPr>
+              <a:t>Asynkronisien</a:t>
+            </a:r>
+            <a:r>
+              <a:rPr lang="en-US" dirty="0" smtClean="0">
+                <a:sym typeface="Wingdings" panose="05000000000000000000" pitchFamily="2" charset="2"/>
+              </a:rPr>
+              <a:t> </a:t>
+            </a:r>
+            <a:r>
+              <a:rPr lang="en-US" dirty="0" err="1" smtClean="0">
+                <a:sym typeface="Wingdings" panose="05000000000000000000" pitchFamily="2" charset="2"/>
+              </a:rPr>
+              <a:t>sekvenssien</a:t>
+            </a:r>
+            <a:r>
+              <a:rPr lang="en-US" dirty="0" smtClean="0">
+                <a:sym typeface="Wingdings" panose="05000000000000000000" pitchFamily="2" charset="2"/>
+              </a:rPr>
+              <a:t> </a:t>
+            </a:r>
+            <a:r>
+              <a:rPr lang="en-US" dirty="0" err="1" smtClean="0">
+                <a:sym typeface="Wingdings" panose="05000000000000000000" pitchFamily="2" charset="2"/>
+              </a:rPr>
+              <a:t>hallintaan</a:t>
+            </a:r>
+            <a:endParaRPr lang="en-US" dirty="0" smtClean="0">
+              <a:sym typeface="Wingdings" panose="05000000000000000000" pitchFamily="2" charset="2"/>
+            </a:endParaRPr>
+          </a:p>
+          <a:p>
+            <a:pPr lvl="1"/>
+            <a:endParaRPr lang="en-US" dirty="0" smtClean="0">
+              <a:sym typeface="Wingdings" panose="05000000000000000000" pitchFamily="2" charset="2"/>
+            </a:endParaRPr>
+          </a:p>
+          <a:p>
+            <a:r>
+              <a:rPr lang="en-US" dirty="0" err="1" smtClean="0">
+                <a:sym typeface="Wingdings" panose="05000000000000000000" pitchFamily="2" charset="2"/>
+              </a:rPr>
+              <a:t>Yhteisö</a:t>
+            </a:r>
+            <a:r>
+              <a:rPr lang="en-US" dirty="0" smtClean="0">
+                <a:sym typeface="Wingdings" panose="05000000000000000000" pitchFamily="2" charset="2"/>
+              </a:rPr>
+              <a:t> </a:t>
+            </a:r>
+            <a:r>
+              <a:rPr lang="en-US" dirty="0" err="1" smtClean="0">
+                <a:sym typeface="Wingdings" panose="05000000000000000000" pitchFamily="2" charset="2"/>
+              </a:rPr>
+              <a:t>tarkentaa</a:t>
+            </a:r>
+            <a:r>
+              <a:rPr lang="en-US" dirty="0">
+                <a:sym typeface="Wingdings" panose="05000000000000000000" pitchFamily="2" charset="2"/>
+              </a:rPr>
+              <a:t>,</a:t>
+            </a:r>
+            <a:r>
+              <a:rPr lang="en-US" dirty="0" smtClean="0">
+                <a:sym typeface="Wingdings" panose="05000000000000000000" pitchFamily="2" charset="2"/>
+              </a:rPr>
+              <a:t> </a:t>
+            </a:r>
+            <a:r>
+              <a:rPr lang="en-US" dirty="0" err="1" smtClean="0">
+                <a:sym typeface="Wingdings" panose="05000000000000000000" pitchFamily="2" charset="2"/>
+              </a:rPr>
+              <a:t>käytä</a:t>
+            </a:r>
+            <a:r>
+              <a:rPr lang="en-US" dirty="0" smtClean="0">
+                <a:sym typeface="Wingdings" panose="05000000000000000000" pitchFamily="2" charset="2"/>
+              </a:rPr>
+              <a:t> Rx </a:t>
             </a:r>
             <a:r>
               <a:rPr lang="en-US" dirty="0" err="1" smtClean="0">
@@ -4761,7 +4936,7 @@
               <a:t>pitää</a:t>
             </a:r>
             <a:r>
-              <a:rPr lang="en-US" dirty="0">
+              <a:rPr lang="en-US" dirty="0" smtClean="0">
                 <a:sym typeface="Wingdings" panose="05000000000000000000" pitchFamily="2" charset="2"/>
               </a:rPr>
               <a:t>:</a:t>
@@ -5018,6 +5193,21 @@
           <a:bodyPr/>
           <a:lstStyle/>
           <a:p>
+            <a:endParaRPr lang="en-US" dirty="0" smtClean="0"/>
+          </a:p>
+          <a:p>
+            <a:endParaRPr lang="en-US" dirty="0"/>
+          </a:p>
+          <a:p>
+            <a:endParaRPr lang="en-US" dirty="0" smtClean="0"/>
+          </a:p>
+          <a:p>
+            <a:endParaRPr lang="en-US" dirty="0"/>
+          </a:p>
+          <a:p>
+            <a:endParaRPr lang="en-US" dirty="0" smtClean="0"/>
+          </a:p>
+          <a:p>
             <a:r>
               <a:rPr lang="en-US" dirty="0" err="1" smtClean="0"/>
               <a:t>Rajapinnat</a:t>
@@ -5069,6 +5259,9 @@
               <a:rPr lang="en-US" dirty="0" err="1" smtClean="0"/>
               <a:t>mallin</a:t>
             </a:r>
+            <a:endParaRPr lang="en-US" dirty="0" smtClean="0"/>
+          </a:p>
+          <a:p>
             <a:endParaRPr lang="en-US" dirty="0" smtClean="0"/>
           </a:p>
         </p:txBody>
@@ -5083,14 +5276,14 @@
             <p:ph sz="half" idx="2"/>
             <p:extLst>
               <p:ext uri="{D42A27DB-BD31-4B8C-83A1-F6EECF244321}">
-                <p14:modId xmlns:p14="http://schemas.microsoft.com/office/powerpoint/2010/main" val="377400010"/>
+                <p14:modId xmlns:p14="http://schemas.microsoft.com/office/powerpoint/2010/main" val="830712418"/>
               </p:ext>
             </p:extLst>
           </p:nvPr>
         </p:nvGraphicFramePr>
         <p:xfrm>
-          <a:off x="2248930" y="3607057"/>
-          <a:ext cx="6327990" cy="2491740"/>
+          <a:off x="1460251" y="1621880"/>
+          <a:ext cx="6095999" cy="2566573"/>
         </p:xfrm>
         <a:graphic>
           <a:graphicData uri="http://schemas.openxmlformats.org/drawingml/2006/table">
@@ -5099,11 +5292,11 @@
                 <a:tableStyleId>{B301B821-A1FF-4177-AEE7-76D212191A09}</a:tableStyleId>
               </a:tblPr>
               <a:tblGrid>
-                <a:gridCol w="2109330"/>
-                <a:gridCol w="2109330"/>
-                <a:gridCol w="2109330"/>
+                <a:gridCol w="2110930"/>
+                <a:gridCol w="1953069"/>
+                <a:gridCol w="2032000"/>
               </a:tblGrid>
-              <a:tr h="509282">
+              <a:tr h="1043897">
                 <a:tc>
                   <a:txBody>
                     <a:bodyPr/>
@@ -5310,7 +5503,7 @@
                   <a:tcPr/>
                 </a:tc>
               </a:tr>
-              <a:tr h="509282">
+              <a:tr h="761338">
                 <a:tc>
                   <a:txBody>
                     <a:bodyPr/>
@@ -5419,7 +5612,7 @@
                   <a:tcPr marL="95250" marR="95250" marT="95250" marB="95250"/>
                 </a:tc>
               </a:tr>
-              <a:tr h="509282">
+              <a:tr h="761338">
                 <a:tc>
                   <a:txBody>
                     <a:bodyPr/>
@@ -5549,6 +5742,66 @@
           </a:graphicData>
         </a:graphic>
       </p:graphicFrame>
+      <p:pic>
+        <p:nvPicPr>
+          <p:cNvPr id="4" name="Picture 3"/>
+          <p:cNvPicPr>
+            <a:picLocks noChangeAspect="1"/>
+          </p:cNvPicPr>
+          <p:nvPr/>
+        </p:nvPicPr>
+        <p:blipFill>
+          <a:blip r:embed="rId2">
+            <a:extLst>
+              <a:ext uri="{28A0092B-C50C-407E-A947-70E740481C1C}">
+                <a14:useLocalDpi xmlns:a14="http://schemas.microsoft.com/office/drawing/2010/main" val="0"/>
+              </a:ext>
+            </a:extLst>
+          </a:blip>
+          <a:stretch>
+            <a:fillRect/>
+          </a:stretch>
+        </p:blipFill>
+        <p:spPr>
+          <a:xfrm>
+            <a:off x="7675698" y="1621880"/>
+            <a:ext cx="3991532" cy="781159"/>
+          </a:xfrm>
+          <a:prstGeom prst="rect">
+            <a:avLst/>
+          </a:prstGeom>
+        </p:spPr>
+      </p:pic>
+      <p:pic>
+        <p:nvPicPr>
+          <p:cNvPr id="5" name="Picture 4"/>
+          <p:cNvPicPr>
+            <a:picLocks noChangeAspect="1"/>
+          </p:cNvPicPr>
+          <p:nvPr/>
+        </p:nvPicPr>
+        <p:blipFill>
+          <a:blip r:embed="rId3">
+            <a:extLst>
+              <a:ext uri="{28A0092B-C50C-407E-A947-70E740481C1C}">
+                <a14:useLocalDpi xmlns:a14="http://schemas.microsoft.com/office/drawing/2010/main" val="0"/>
+              </a:ext>
+            </a:extLst>
+          </a:blip>
+          <a:stretch>
+            <a:fillRect/>
+          </a:stretch>
+        </p:blipFill>
+        <p:spPr>
+          <a:xfrm>
+            <a:off x="7675698" y="2633684"/>
+            <a:ext cx="2981741" cy="1124107"/>
+          </a:xfrm>
+          <a:prstGeom prst="rect">
+            <a:avLst/>
+          </a:prstGeom>
+        </p:spPr>
+      </p:pic>
     </p:spTree>
     <p:extLst>
       <p:ext uri="{BB962C8B-B14F-4D97-AF65-F5344CB8AC3E}">
@@ -5638,19 +5891,79 @@
           <a:p>
             <a:r>
               <a:rPr lang="fi-FI" dirty="0" smtClean="0"/>
-              <a:t>Tuttu funktionaalinen työkalu </a:t>
-            </a:r>
-          </a:p>
-          <a:p>
+              <a:t>Tuttu funktionaalinen </a:t>
+            </a:r>
             <a:r>
               <a:rPr lang="fi-FI" dirty="0" smtClean="0"/>
-              <a:t>Kirjastossa lisää funktioita, koska mukana reaktiivisuus ja aika</a:t>
-            </a:r>
-          </a:p>
-          <a:p>
+              <a:t>työkalu. </a:t>
+            </a:r>
+          </a:p>
+          <a:p>
+            <a:r>
+              <a:rPr lang="fi-FI" dirty="0" err="1" smtClean="0"/>
+              <a:t>Rx</a:t>
+            </a:r>
             <a:r>
               <a:rPr lang="fi-FI" dirty="0" smtClean="0"/>
-              <a:t>Yhdistelemällä olemassa olevia operaattoreita voi luoda erittäin tehokkaita uusia operaattoreita</a:t>
+              <a:t> </a:t>
+            </a:r>
+            <a:r>
+              <a:rPr lang="fi-FI" dirty="0" smtClean="0"/>
+              <a:t>toteuttaa </a:t>
+            </a:r>
+            <a:r>
+              <a:rPr lang="fi-FI" dirty="0" err="1" smtClean="0"/>
+              <a:t>IObservable</a:t>
+            </a:r>
+            <a:r>
+              <a:rPr lang="fi-FI" dirty="0" smtClean="0"/>
+              <a:t> rajapinnalle vanhat tutut LINQ </a:t>
+            </a:r>
+            <a:r>
+              <a:rPr lang="fi-FI" dirty="0" err="1" smtClean="0"/>
+              <a:t>operatttorit</a:t>
+            </a:r>
+            <a:r>
+              <a:rPr lang="fi-FI" dirty="0" smtClean="0"/>
+              <a:t> ja </a:t>
+            </a:r>
+            <a:r>
+              <a:rPr lang="fi-FI" i="1" dirty="0" smtClean="0"/>
+              <a:t>paljon</a:t>
+            </a:r>
+            <a:r>
+              <a:rPr lang="fi-FI" dirty="0" smtClean="0"/>
+              <a:t> </a:t>
+            </a:r>
+            <a:r>
+              <a:rPr lang="fi-FI" i="1" dirty="0" smtClean="0"/>
+              <a:t>lisää</a:t>
+            </a:r>
+            <a:r>
+              <a:rPr lang="fi-FI" dirty="0" smtClean="0"/>
+              <a:t> (koska mukana aika ja sen mukana tulevat tarpeet)</a:t>
+            </a:r>
+          </a:p>
+          <a:p>
+            <a:r>
+              <a:rPr lang="fi-FI" dirty="0" smtClean="0"/>
+              <a:t>Yhdistelemällä </a:t>
+            </a:r>
+            <a:r>
+              <a:rPr lang="fi-FI" dirty="0" smtClean="0"/>
+              <a:t>olemassa olevia operaattoreita voi luoda </a:t>
+            </a:r>
+            <a:r>
+              <a:rPr lang="fi-FI" dirty="0" smtClean="0"/>
+              <a:t>tehokkaita </a:t>
+            </a:r>
+            <a:r>
+              <a:rPr lang="fi-FI" dirty="0" smtClean="0"/>
+              <a:t>uusia </a:t>
+            </a:r>
+            <a:r>
+              <a:rPr lang="fi-FI" dirty="0" smtClean="0"/>
+              <a:t>operaattoreita</a:t>
             </a:r>
             <a:endParaRPr lang="fi-FI" dirty="0"/>
           </a:p>
@@ -5810,12 +6123,74 @@
           </a:p>
           <a:p>
             <a:r>
+              <a:rPr lang="fi-FI" dirty="0" err="1" smtClean="0"/>
+              <a:t>Esim</a:t>
+            </a:r>
+            <a:r>
+              <a:rPr lang="fi-FI" dirty="0" smtClean="0"/>
+              <a:t> .</a:t>
+            </a:r>
+            <a:r>
+              <a:rPr lang="fi-FI" dirty="0" err="1" smtClean="0"/>
+              <a:t>NETissä</a:t>
+            </a:r>
+            <a:r>
+              <a:rPr lang="fi-FI" dirty="0"/>
+              <a:t>:</a:t>
+            </a:r>
+            <a:r>
+              <a:rPr lang="fi-FI" dirty="0" smtClean="0"/>
+              <a:t> </a:t>
+            </a:r>
+            <a:r>
+              <a:rPr lang="fi-FI" i="1" dirty="0" err="1" smtClean="0"/>
+              <a:t>TaskPoolScheduler</a:t>
+            </a:r>
+            <a:r>
+              <a:rPr lang="fi-FI" i="1" dirty="0" smtClean="0"/>
+              <a:t>, </a:t>
+            </a:r>
+            <a:r>
+              <a:rPr lang="fi-FI" i="1" dirty="0" err="1" smtClean="0"/>
+              <a:t>ThreadPoolScheduler</a:t>
+            </a:r>
+            <a:r>
+              <a:rPr lang="fi-FI" i="1" dirty="0" smtClean="0"/>
+              <a:t>, </a:t>
+            </a:r>
+            <a:r>
+              <a:rPr lang="fi-FI" i="1" dirty="0" err="1" smtClean="0"/>
+              <a:t>NewThreadScheduler</a:t>
+            </a:r>
+            <a:r>
+              <a:rPr lang="fi-FI" i="1" dirty="0" smtClean="0"/>
+              <a:t>, </a:t>
+            </a:r>
+            <a:r>
+              <a:rPr lang="fi-FI" i="1" dirty="0" err="1" smtClean="0"/>
+              <a:t>CurrentThreadScheduler</a:t>
+            </a:r>
+            <a:r>
+              <a:rPr lang="fi-FI" i="1" dirty="0" smtClean="0"/>
+              <a:t>.</a:t>
+            </a:r>
+          </a:p>
+          <a:p>
+            <a:r>
               <a:rPr lang="fi-FI" dirty="0" smtClean="0"/>
               <a:t>Esim. </a:t>
             </a:r>
             <a:r>
+              <a:rPr lang="fi-FI" dirty="0" err="1" smtClean="0"/>
+              <a:t>Javascriptissä</a:t>
+            </a:r>
+            <a:r>
+              <a:rPr lang="fi-FI" dirty="0" smtClean="0"/>
+              <a:t>: </a:t>
+            </a:r>
+            <a:r>
               <a:rPr lang="fi-FI" i="1" dirty="0" err="1" smtClean="0"/>
-              <a:t>TaskPoolScheduler</a:t>
+              <a:t>immediateScheduler</a:t>
             </a:r>
             <a:r>
               <a:rPr lang="fi-FI" i="1" dirty="0" smtClean="0"/>
@@ -5823,7 +6198,7 @@
             </a:r>
             <a:r>
               <a:rPr lang="fi-FI" i="1" dirty="0" err="1" smtClean="0"/>
-              <a:t>ThreadPoolScheduler</a:t>
+              <a:t>currentThreadScheduler</a:t>
             </a:r>
             <a:r>
               <a:rPr lang="fi-FI" i="1" dirty="0" smtClean="0"/>
@@ -5831,21 +6206,16 @@
             </a:r>
             <a:r>
               <a:rPr lang="fi-FI" i="1" dirty="0" err="1" smtClean="0"/>
-              <a:t>NewThreadScheduler</a:t>
-            </a:r>
-            <a:r>
-              <a:rPr lang="fi-FI" i="1" dirty="0" smtClean="0"/>
-              <a:t>, </a:t>
-            </a:r>
-            <a:r>
-              <a:rPr lang="fi-FI" i="1" dirty="0" err="1" smtClean="0"/>
-              <a:t>CurrentThreadScheduler</a:t>
-            </a:r>
-            <a:r>
-              <a:rPr lang="fi-FI" i="1" dirty="0" smtClean="0"/>
-              <a:t>.</a:t>
-            </a:r>
-            <a:endParaRPr lang="fi-FI" i="1" dirty="0"/>
+              <a:t>timeoutScheduler</a:t>
+            </a:r>
+            <a:endParaRPr lang="fi-FI" i="1" dirty="0" smtClean="0"/>
+          </a:p>
+          <a:p>
+            <a:r>
+              <a:rPr lang="fi-FI" b="1" i="1" dirty="0" err="1" smtClean="0"/>
+              <a:t>TestScheduler</a:t>
+            </a:r>
+            <a:endParaRPr lang="fi-FI" dirty="0"/>
           </a:p>
         </p:txBody>
       </p:sp>
